--- a/doc/manual/new/WaveBoundaryConditions.pptx
+++ b/doc/manual/new/WaveBoundaryConditions.pptx
@@ -288,7 +288,7 @@
           <a:p>
             <a:fld id="{B8C18FDB-1496-544D-B01B-917193A7D47D}" type="datetimeFigureOut">
               <a:rPr lang="en-US" smtClean="0"/>
-              <a:t>03/02/15</a:t>
+              <a:t>20-Feb-15</a:t>
             </a:fld>
             <a:endParaRPr lang="en-US"/>
           </a:p>
@@ -458,7 +458,7 @@
           <a:p>
             <a:fld id="{B8C18FDB-1496-544D-B01B-917193A7D47D}" type="datetimeFigureOut">
               <a:rPr lang="en-US" smtClean="0"/>
-              <a:t>03/02/15</a:t>
+              <a:t>20-Feb-15</a:t>
             </a:fld>
             <a:endParaRPr lang="en-US"/>
           </a:p>
@@ -638,7 +638,7 @@
           <a:p>
             <a:fld id="{B8C18FDB-1496-544D-B01B-917193A7D47D}" type="datetimeFigureOut">
               <a:rPr lang="en-US" smtClean="0"/>
-              <a:t>03/02/15</a:t>
+              <a:t>20-Feb-15</a:t>
             </a:fld>
             <a:endParaRPr lang="en-US"/>
           </a:p>
@@ -808,7 +808,7 @@
           <a:p>
             <a:fld id="{B8C18FDB-1496-544D-B01B-917193A7D47D}" type="datetimeFigureOut">
               <a:rPr lang="en-US" smtClean="0"/>
-              <a:t>03/02/15</a:t>
+              <a:t>20-Feb-15</a:t>
             </a:fld>
             <a:endParaRPr lang="en-US"/>
           </a:p>
@@ -1054,7 +1054,7 @@
           <a:p>
             <a:fld id="{B8C18FDB-1496-544D-B01B-917193A7D47D}" type="datetimeFigureOut">
               <a:rPr lang="en-US" smtClean="0"/>
-              <a:t>03/02/15</a:t>
+              <a:t>20-Feb-15</a:t>
             </a:fld>
             <a:endParaRPr lang="en-US"/>
           </a:p>
@@ -1342,7 +1342,7 @@
           <a:p>
             <a:fld id="{B8C18FDB-1496-544D-B01B-917193A7D47D}" type="datetimeFigureOut">
               <a:rPr lang="en-US" smtClean="0"/>
-              <a:t>03/02/15</a:t>
+              <a:t>20-Feb-15</a:t>
             </a:fld>
             <a:endParaRPr lang="en-US"/>
           </a:p>
@@ -1764,7 +1764,7 @@
           <a:p>
             <a:fld id="{B8C18FDB-1496-544D-B01B-917193A7D47D}" type="datetimeFigureOut">
               <a:rPr lang="en-US" smtClean="0"/>
-              <a:t>03/02/15</a:t>
+              <a:t>20-Feb-15</a:t>
             </a:fld>
             <a:endParaRPr lang="en-US"/>
           </a:p>
@@ -1882,7 +1882,7 @@
           <a:p>
             <a:fld id="{B8C18FDB-1496-544D-B01B-917193A7D47D}" type="datetimeFigureOut">
               <a:rPr lang="en-US" smtClean="0"/>
-              <a:t>03/02/15</a:t>
+              <a:t>20-Feb-15</a:t>
             </a:fld>
             <a:endParaRPr lang="en-US"/>
           </a:p>
@@ -1977,7 +1977,7 @@
           <a:p>
             <a:fld id="{B8C18FDB-1496-544D-B01B-917193A7D47D}" type="datetimeFigureOut">
               <a:rPr lang="en-US" smtClean="0"/>
-              <a:t>03/02/15</a:t>
+              <a:t>20-Feb-15</a:t>
             </a:fld>
             <a:endParaRPr lang="en-US"/>
           </a:p>
@@ -2254,7 +2254,7 @@
           <a:p>
             <a:fld id="{B8C18FDB-1496-544D-B01B-917193A7D47D}" type="datetimeFigureOut">
               <a:rPr lang="en-US" smtClean="0"/>
-              <a:t>03/02/15</a:t>
+              <a:t>20-Feb-15</a:t>
             </a:fld>
             <a:endParaRPr lang="en-US"/>
           </a:p>
@@ -2507,7 +2507,7 @@
           <a:p>
             <a:fld id="{B8C18FDB-1496-544D-B01B-917193A7D47D}" type="datetimeFigureOut">
               <a:rPr lang="en-US" smtClean="0"/>
-              <a:t>03/02/15</a:t>
+              <a:t>20-Feb-15</a:t>
             </a:fld>
             <a:endParaRPr lang="en-US"/>
           </a:p>
@@ -2720,7 +2720,7 @@
           <a:p>
             <a:fld id="{B8C18FDB-1496-544D-B01B-917193A7D47D}" type="datetimeFigureOut">
               <a:rPr lang="en-US" smtClean="0"/>
-              <a:t>03/02/15</a:t>
+              <a:t>20-Feb-15</a:t>
             </a:fld>
             <a:endParaRPr lang="en-US"/>
           </a:p>
@@ -3103,7 +3103,7 @@
         </p:nvSpPr>
         <p:spPr>
           <a:xfrm>
-            <a:off x="-6468424" y="1"/>
+            <a:off x="-6468424" y="-54637"/>
             <a:ext cx="23497808" cy="14556714"/>
           </a:xfrm>
           <a:prstGeom prst="rect">
@@ -3410,7 +3410,7 @@
         </p:nvSpPr>
         <p:spPr>
           <a:xfrm>
-            <a:off x="4644008" y="5229200"/>
+            <a:off x="4642307" y="5267309"/>
             <a:ext cx="2861770" cy="914400"/>
           </a:xfrm>
           <a:prstGeom prst="roundRect">
@@ -3460,7 +3460,7 @@
         </p:nvSpPr>
         <p:spPr>
           <a:xfrm>
-            <a:off x="8316416" y="5229200"/>
+            <a:off x="8316416" y="5491150"/>
             <a:ext cx="2138288" cy="914400"/>
           </a:xfrm>
           <a:prstGeom prst="roundRect">
@@ -3499,8 +3499,16 @@
                   </a:schemeClr>
                 </a:solidFill>
               </a:rPr>
-              <a:t>Use</a:t>
-            </a:r>
+              <a:t>Also use</a:t>
+            </a:r>
+            <a:endParaRPr lang="en-US" dirty="0" smtClean="0">
+              <a:solidFill>
+                <a:schemeClr val="tx2">
+                  <a:lumMod val="60000"/>
+                  <a:lumOff val="40000"/>
+                </a:schemeClr>
+              </a:solidFill>
+            </a:endParaRPr>
           </a:p>
           <a:p>
             <a:pPr algn="ctr"/>
@@ -3513,7 +3521,7 @@
                   </a:schemeClr>
                 </a:solidFill>
               </a:rPr>
-              <a:t>instat</a:t>
+              <a:t>nhboundary</a:t>
             </a:r>
             <a:r>
               <a:rPr lang="en-US" dirty="0" smtClean="0">
@@ -3524,18 +3532,7 @@
                   </a:schemeClr>
                 </a:solidFill>
               </a:rPr>
-              <a:t> = </a:t>
-            </a:r>
-            <a:r>
-              <a:rPr lang="en-US" dirty="0" err="1" smtClean="0">
-                <a:solidFill>
-                  <a:schemeClr val="tx2">
-                    <a:lumMod val="60000"/>
-                    <a:lumOff val="40000"/>
-                  </a:schemeClr>
-                </a:solidFill>
-              </a:rPr>
-              <a:t>ts_nonh</a:t>
+              <a:t> = 1</a:t>
             </a:r>
             <a:endParaRPr lang="en-US" dirty="0">
               <a:solidFill>
@@ -5196,59 +5193,6 @@
           </a:fontRef>
         </p:style>
       </p:cxnSp>
-      <p:sp>
-        <p:nvSpPr>
-          <p:cNvPr id="90" name="Rounded Rectangle 89"/>
-          <p:cNvSpPr/>
-          <p:nvPr/>
-        </p:nvSpPr>
-        <p:spPr>
-          <a:xfrm>
-            <a:off x="705520" y="10197752"/>
-            <a:ext cx="2138288" cy="914400"/>
-          </a:xfrm>
-          <a:prstGeom prst="roundRect">
-            <a:avLst/>
-          </a:prstGeom>
-          <a:solidFill>
-            <a:srgbClr val="FFFFFF"/>
-          </a:solidFill>
-        </p:spPr>
-        <p:style>
-          <a:lnRef idx="1">
-            <a:schemeClr val="accent1"/>
-          </a:lnRef>
-          <a:fillRef idx="3">
-            <a:schemeClr val="accent1"/>
-          </a:fillRef>
-          <a:effectRef idx="2">
-            <a:schemeClr val="accent1"/>
-          </a:effectRef>
-          <a:fontRef idx="minor">
-            <a:schemeClr val="lt1"/>
-          </a:fontRef>
-        </p:style>
-        <p:txBody>
-          <a:bodyPr rtlCol="0" anchor="ctr"/>
-          <a:lstStyle/>
-          <a:p>
-            <a:pPr algn="ctr"/>
-            <a:r>
-              <a:rPr lang="en-US" dirty="0" smtClean="0">
-                <a:solidFill>
-                  <a:srgbClr val="558ED5"/>
-                </a:solidFill>
-              </a:rPr>
-              <a:t>Reconsider your data</a:t>
-            </a:r>
-            <a:endParaRPr lang="en-US" dirty="0">
-              <a:solidFill>
-                <a:srgbClr val="558ED5"/>
-              </a:solidFill>
-            </a:endParaRPr>
-          </a:p>
-        </p:txBody>
-      </p:sp>
       <p:cxnSp>
         <p:nvCxnSpPr>
           <p:cNvPr id="107" name="Elbow Connector 106"/>
@@ -5475,9 +5419,9 @@
           <p:nvPr/>
         </p:nvCxnSpPr>
         <p:spPr>
-          <a:xfrm>
-            <a:off x="6074893" y="4487416"/>
-            <a:ext cx="0" cy="741784"/>
+          <a:xfrm flipH="1">
+            <a:off x="6073192" y="4487416"/>
+            <a:ext cx="1701" cy="779893"/>
           </a:xfrm>
           <a:prstGeom prst="straightConnector1">
             <a:avLst/>
@@ -5548,8 +5492,8 @@
         </p:nvCxnSpPr>
         <p:spPr>
           <a:xfrm>
-            <a:off x="6074893" y="6143600"/>
-            <a:ext cx="0" cy="709539"/>
+            <a:off x="6073192" y="6181709"/>
+            <a:ext cx="1701" cy="671430"/>
           </a:xfrm>
           <a:prstGeom prst="straightConnector1">
             <a:avLst/>
@@ -5650,14 +5594,14 @@
           <p:cNvPr id="181" name="Straight Arrow Connector 180"/>
           <p:cNvCxnSpPr>
             <a:stCxn id="28" idx="2"/>
-            <a:endCxn id="90" idx="0"/>
+            <a:endCxn id="113" idx="0"/>
           </p:cNvCxnSpPr>
           <p:nvPr/>
         </p:nvCxnSpPr>
         <p:spPr>
           <a:xfrm>
             <a:off x="1772963" y="9455968"/>
-            <a:ext cx="1701" cy="741784"/>
+            <a:ext cx="0" cy="716632"/>
           </a:xfrm>
           <a:prstGeom prst="straightConnector1">
             <a:avLst/>
@@ -5899,42 +5843,6 @@
       </p:cxnSp>
       <p:cxnSp>
         <p:nvCxnSpPr>
-          <p:cNvPr id="200" name="Straight Arrow Connector 199"/>
-          <p:cNvCxnSpPr>
-            <a:stCxn id="13" idx="3"/>
-            <a:endCxn id="14" idx="1"/>
-          </p:cNvCxnSpPr>
-          <p:nvPr/>
-        </p:nvCxnSpPr>
-        <p:spPr>
-          <a:xfrm>
-            <a:off x="7505778" y="5686400"/>
-            <a:ext cx="810638" cy="0"/>
-          </a:xfrm>
-          <a:prstGeom prst="straightConnector1">
-            <a:avLst/>
-          </a:prstGeom>
-          <a:ln>
-            <a:tailEnd type="arrow"/>
-          </a:ln>
-        </p:spPr>
-        <p:style>
-          <a:lnRef idx="2">
-            <a:schemeClr val="accent1"/>
-          </a:lnRef>
-          <a:fillRef idx="0">
-            <a:schemeClr val="accent1"/>
-          </a:fillRef>
-          <a:effectRef idx="1">
-            <a:schemeClr val="accent1"/>
-          </a:effectRef>
-          <a:fontRef idx="minor">
-            <a:schemeClr val="tx1"/>
-          </a:fontRef>
-        </p:style>
-      </p:cxnSp>
-      <p:cxnSp>
-        <p:nvCxnSpPr>
           <p:cNvPr id="203" name="Straight Arrow Connector 202"/>
           <p:cNvCxnSpPr>
             <a:stCxn id="31" idx="3"/>
@@ -7751,6 +7659,380 @@
                 </a:solidFill>
               </a:rPr>
               <a:t>ead section X.XX</a:t>
+            </a:r>
+            <a:endParaRPr lang="en-US" dirty="0">
+              <a:solidFill>
+                <a:srgbClr val="558ED5"/>
+              </a:solidFill>
+            </a:endParaRPr>
+          </a:p>
+        </p:txBody>
+      </p:sp>
+      <p:cxnSp>
+        <p:nvCxnSpPr>
+          <p:cNvPr id="12" name="Elbow Connector 11"/>
+          <p:cNvCxnSpPr>
+            <a:stCxn id="13" idx="3"/>
+            <a:endCxn id="14" idx="1"/>
+          </p:cNvCxnSpPr>
+          <p:nvPr/>
+        </p:nvCxnSpPr>
+        <p:spPr>
+          <a:xfrm>
+            <a:off x="7504077" y="5724509"/>
+            <a:ext cx="812339" cy="223841"/>
+          </a:xfrm>
+          <a:prstGeom prst="bentConnector3">
+            <a:avLst/>
+          </a:prstGeom>
+          <a:ln>
+            <a:tailEnd type="arrow"/>
+          </a:ln>
+        </p:spPr>
+        <p:style>
+          <a:lnRef idx="2">
+            <a:schemeClr val="accent1"/>
+          </a:lnRef>
+          <a:fillRef idx="0">
+            <a:schemeClr val="accent1"/>
+          </a:fillRef>
+          <a:effectRef idx="1">
+            <a:schemeClr val="accent1"/>
+          </a:effectRef>
+          <a:fontRef idx="minor">
+            <a:schemeClr val="tx1"/>
+          </a:fontRef>
+        </p:style>
+      </p:cxnSp>
+      <p:cxnSp>
+        <p:nvCxnSpPr>
+          <p:cNvPr id="18" name="Elbow Connector 17"/>
+          <p:cNvCxnSpPr>
+            <a:stCxn id="14" idx="2"/>
+            <a:endCxn id="31" idx="0"/>
+          </p:cNvCxnSpPr>
+          <p:nvPr/>
+        </p:nvCxnSpPr>
+        <p:spPr>
+          <a:xfrm rot="5400000">
+            <a:off x="7506433" y="4974011"/>
+            <a:ext cx="447589" cy="3310667"/>
+          </a:xfrm>
+          <a:prstGeom prst="bentConnector3">
+            <a:avLst/>
+          </a:prstGeom>
+          <a:ln>
+            <a:tailEnd type="arrow"/>
+          </a:ln>
+        </p:spPr>
+        <p:style>
+          <a:lnRef idx="2">
+            <a:schemeClr val="accent1"/>
+          </a:lnRef>
+          <a:fillRef idx="0">
+            <a:schemeClr val="accent1"/>
+          </a:fillRef>
+          <a:effectRef idx="1">
+            <a:schemeClr val="accent1"/>
+          </a:effectRef>
+          <a:fontRef idx="minor">
+            <a:schemeClr val="tx1"/>
+          </a:fontRef>
+        </p:style>
+      </p:cxnSp>
+      <p:sp>
+        <p:nvSpPr>
+          <p:cNvPr id="112" name="Rounded Rectangle 111"/>
+          <p:cNvSpPr/>
+          <p:nvPr/>
+        </p:nvSpPr>
+        <p:spPr>
+          <a:xfrm>
+            <a:off x="717471" y="11791220"/>
+            <a:ext cx="2138288" cy="914400"/>
+          </a:xfrm>
+          <a:prstGeom prst="roundRect">
+            <a:avLst/>
+          </a:prstGeom>
+          <a:solidFill>
+            <a:srgbClr val="FFFFFF"/>
+          </a:solidFill>
+        </p:spPr>
+        <p:style>
+          <a:lnRef idx="1">
+            <a:schemeClr val="accent1"/>
+          </a:lnRef>
+          <a:fillRef idx="3">
+            <a:schemeClr val="accent1"/>
+          </a:fillRef>
+          <a:effectRef idx="2">
+            <a:schemeClr val="accent1"/>
+          </a:effectRef>
+          <a:fontRef idx="minor">
+            <a:schemeClr val="lt1"/>
+          </a:fontRef>
+        </p:style>
+        <p:txBody>
+          <a:bodyPr rtlCol="0" anchor="ctr"/>
+          <a:lstStyle/>
+          <a:p>
+            <a:pPr algn="ctr"/>
+            <a:r>
+              <a:rPr lang="en-US" dirty="0" smtClean="0">
+                <a:solidFill>
+                  <a:srgbClr val="558ED5"/>
+                </a:solidFill>
+              </a:rPr>
+              <a:t>Reconsider your data</a:t>
+            </a:r>
+            <a:endParaRPr lang="en-US" dirty="0">
+              <a:solidFill>
+                <a:srgbClr val="558ED5"/>
+              </a:solidFill>
+            </a:endParaRPr>
+          </a:p>
+        </p:txBody>
+      </p:sp>
+      <p:sp>
+        <p:nvSpPr>
+          <p:cNvPr id="113" name="Rounded Rectangle 112"/>
+          <p:cNvSpPr/>
+          <p:nvPr/>
+        </p:nvSpPr>
+        <p:spPr>
+          <a:xfrm>
+            <a:off x="342078" y="10172600"/>
+            <a:ext cx="2861770" cy="914400"/>
+          </a:xfrm>
+          <a:prstGeom prst="roundRect">
+            <a:avLst/>
+          </a:prstGeom>
+        </p:spPr>
+        <p:style>
+          <a:lnRef idx="1">
+            <a:schemeClr val="accent1"/>
+          </a:lnRef>
+          <a:fillRef idx="3">
+            <a:schemeClr val="accent1"/>
+          </a:fillRef>
+          <a:effectRef idx="2">
+            <a:schemeClr val="accent1"/>
+          </a:effectRef>
+          <a:fontRef idx="minor">
+            <a:schemeClr val="lt1"/>
+          </a:fontRef>
+        </p:style>
+        <p:txBody>
+          <a:bodyPr rtlCol="0" anchor="ctr"/>
+          <a:lstStyle/>
+          <a:p>
+            <a:pPr algn="ctr"/>
+            <a:r>
+              <a:rPr lang="en-US" dirty="0" smtClean="0"/>
+              <a:t>Are they </a:t>
+            </a:r>
+            <a:r>
+              <a:rPr lang="en-US" dirty="0" smtClean="0"/>
+              <a:t>time series for non-hydrostatic mode?</a:t>
+            </a:r>
+            <a:endParaRPr lang="en-US" dirty="0"/>
+          </a:p>
+        </p:txBody>
+      </p:sp>
+      <p:sp>
+        <p:nvSpPr>
+          <p:cNvPr id="114" name="Rounded Rectangle 113"/>
+          <p:cNvSpPr/>
+          <p:nvPr/>
+        </p:nvSpPr>
+        <p:spPr>
+          <a:xfrm>
+            <a:off x="-2556792" y="10172600"/>
+            <a:ext cx="2138288" cy="914400"/>
+          </a:xfrm>
+          <a:prstGeom prst="roundRect">
+            <a:avLst/>
+          </a:prstGeom>
+          <a:solidFill>
+            <a:schemeClr val="bg1"/>
+          </a:solidFill>
+          <a:ln/>
+        </p:spPr>
+        <p:style>
+          <a:lnRef idx="1">
+            <a:schemeClr val="accent1"/>
+          </a:lnRef>
+          <a:fillRef idx="3">
+            <a:schemeClr val="accent1"/>
+          </a:fillRef>
+          <a:effectRef idx="2">
+            <a:schemeClr val="accent1"/>
+          </a:effectRef>
+          <a:fontRef idx="minor">
+            <a:schemeClr val="lt1"/>
+          </a:fontRef>
+        </p:style>
+        <p:txBody>
+          <a:bodyPr rtlCol="0" anchor="ctr"/>
+          <a:lstStyle/>
+          <a:p>
+            <a:pPr algn="ctr"/>
+            <a:r>
+              <a:rPr lang="en-US" dirty="0" smtClean="0">
+                <a:solidFill>
+                  <a:schemeClr val="tx2">
+                    <a:lumMod val="60000"/>
+                    <a:lumOff val="40000"/>
+                  </a:schemeClr>
+                </a:solidFill>
+              </a:rPr>
+              <a:t>Use</a:t>
+            </a:r>
+          </a:p>
+          <a:p>
+            <a:pPr algn="ctr"/>
+            <a:r>
+              <a:rPr lang="en-US" dirty="0" err="1" smtClean="0">
+                <a:solidFill>
+                  <a:schemeClr val="tx2">
+                    <a:lumMod val="60000"/>
+                    <a:lumOff val="40000"/>
+                  </a:schemeClr>
+                </a:solidFill>
+              </a:rPr>
+              <a:t>instat</a:t>
+            </a:r>
+            <a:r>
+              <a:rPr lang="en-US" dirty="0" smtClean="0">
+                <a:solidFill>
+                  <a:schemeClr val="tx2">
+                    <a:lumMod val="60000"/>
+                    <a:lumOff val="40000"/>
+                  </a:schemeClr>
+                </a:solidFill>
+              </a:rPr>
+              <a:t> = </a:t>
+            </a:r>
+            <a:r>
+              <a:rPr lang="en-US" dirty="0" err="1" smtClean="0">
+                <a:solidFill>
+                  <a:schemeClr val="tx2">
+                    <a:lumMod val="60000"/>
+                    <a:lumOff val="40000"/>
+                  </a:schemeClr>
+                </a:solidFill>
+              </a:rPr>
+              <a:t>ts_nonh</a:t>
+            </a:r>
+            <a:endParaRPr lang="en-US" dirty="0">
+              <a:solidFill>
+                <a:schemeClr val="tx2">
+                  <a:lumMod val="60000"/>
+                  <a:lumOff val="40000"/>
+                </a:schemeClr>
+              </a:solidFill>
+            </a:endParaRPr>
+          </a:p>
+        </p:txBody>
+      </p:sp>
+      <p:cxnSp>
+        <p:nvCxnSpPr>
+          <p:cNvPr id="115" name="Straight Arrow Connector 114"/>
+          <p:cNvCxnSpPr>
+            <a:stCxn id="113" idx="1"/>
+            <a:endCxn id="114" idx="3"/>
+          </p:cNvCxnSpPr>
+          <p:nvPr/>
+        </p:nvCxnSpPr>
+        <p:spPr>
+          <a:xfrm flipH="1">
+            <a:off x="-418504" y="10629800"/>
+            <a:ext cx="760582" cy="0"/>
+          </a:xfrm>
+          <a:prstGeom prst="straightConnector1">
+            <a:avLst/>
+          </a:prstGeom>
+          <a:ln>
+            <a:tailEnd type="arrow"/>
+          </a:ln>
+        </p:spPr>
+        <p:style>
+          <a:lnRef idx="2">
+            <a:schemeClr val="accent1"/>
+          </a:lnRef>
+          <a:fillRef idx="0">
+            <a:schemeClr val="accent1"/>
+          </a:fillRef>
+          <a:effectRef idx="1">
+            <a:schemeClr val="accent1"/>
+          </a:effectRef>
+          <a:fontRef idx="minor">
+            <a:schemeClr val="tx1"/>
+          </a:fontRef>
+        </p:style>
+      </p:cxnSp>
+      <p:cxnSp>
+        <p:nvCxnSpPr>
+          <p:cNvPr id="118" name="Straight Arrow Connector 117"/>
+          <p:cNvCxnSpPr/>
+          <p:nvPr/>
+        </p:nvCxnSpPr>
+        <p:spPr>
+          <a:xfrm>
+            <a:off x="1786615" y="11050316"/>
+            <a:ext cx="0" cy="716632"/>
+          </a:xfrm>
+          <a:prstGeom prst="straightConnector1">
+            <a:avLst/>
+          </a:prstGeom>
+          <a:ln>
+            <a:tailEnd type="arrow"/>
+          </a:ln>
+        </p:spPr>
+        <p:style>
+          <a:lnRef idx="2">
+            <a:schemeClr val="accent1"/>
+          </a:lnRef>
+          <a:fillRef idx="0">
+            <a:schemeClr val="accent1"/>
+          </a:fillRef>
+          <a:effectRef idx="1">
+            <a:schemeClr val="accent1"/>
+          </a:effectRef>
+          <a:fontRef idx="minor">
+            <a:schemeClr val="tx1"/>
+          </a:fontRef>
+        </p:style>
+      </p:cxnSp>
+      <p:sp>
+        <p:nvSpPr>
+          <p:cNvPr id="119" name="TextBox 118"/>
+          <p:cNvSpPr txBox="1"/>
+          <p:nvPr/>
+        </p:nvSpPr>
+        <p:spPr>
+          <a:xfrm>
+            <a:off x="1345292" y="11134736"/>
+            <a:ext cx="427671" cy="369332"/>
+          </a:xfrm>
+          <a:prstGeom prst="rect">
+            <a:avLst/>
+          </a:prstGeom>
+          <a:noFill/>
+        </p:spPr>
+        <p:txBody>
+          <a:bodyPr wrap="none" rtlCol="0">
+            <a:spAutoFit/>
+          </a:bodyPr>
+          <a:lstStyle/>
+          <a:p>
+            <a:r>
+              <a:rPr lang="en-US" dirty="0" smtClean="0">
+                <a:solidFill>
+                  <a:srgbClr val="558ED5"/>
+                </a:solidFill>
+              </a:rPr>
+              <a:t>no</a:t>
             </a:r>
             <a:endParaRPr lang="en-US" dirty="0">
               <a:solidFill>

--- a/doc/manual/new/WaveBoundaryConditions.pptx
+++ b/doc/manual/new/WaveBoundaryConditions.pptx
@@ -288,7 +288,7 @@
           <a:p>
             <a:fld id="{B8C18FDB-1496-544D-B01B-917193A7D47D}" type="datetimeFigureOut">
               <a:rPr lang="en-US" smtClean="0"/>
-              <a:t>20-Feb-15</a:t>
+              <a:t>20/02/15</a:t>
             </a:fld>
             <a:endParaRPr lang="en-US"/>
           </a:p>
@@ -458,7 +458,7 @@
           <a:p>
             <a:fld id="{B8C18FDB-1496-544D-B01B-917193A7D47D}" type="datetimeFigureOut">
               <a:rPr lang="en-US" smtClean="0"/>
-              <a:t>20-Feb-15</a:t>
+              <a:t>20/02/15</a:t>
             </a:fld>
             <a:endParaRPr lang="en-US"/>
           </a:p>
@@ -638,7 +638,7 @@
           <a:p>
             <a:fld id="{B8C18FDB-1496-544D-B01B-917193A7D47D}" type="datetimeFigureOut">
               <a:rPr lang="en-US" smtClean="0"/>
-              <a:t>20-Feb-15</a:t>
+              <a:t>20/02/15</a:t>
             </a:fld>
             <a:endParaRPr lang="en-US"/>
           </a:p>
@@ -808,7 +808,7 @@
           <a:p>
             <a:fld id="{B8C18FDB-1496-544D-B01B-917193A7D47D}" type="datetimeFigureOut">
               <a:rPr lang="en-US" smtClean="0"/>
-              <a:t>20-Feb-15</a:t>
+              <a:t>20/02/15</a:t>
             </a:fld>
             <a:endParaRPr lang="en-US"/>
           </a:p>
@@ -1054,7 +1054,7 @@
           <a:p>
             <a:fld id="{B8C18FDB-1496-544D-B01B-917193A7D47D}" type="datetimeFigureOut">
               <a:rPr lang="en-US" smtClean="0"/>
-              <a:t>20-Feb-15</a:t>
+              <a:t>20/02/15</a:t>
             </a:fld>
             <a:endParaRPr lang="en-US"/>
           </a:p>
@@ -1342,7 +1342,7 @@
           <a:p>
             <a:fld id="{B8C18FDB-1496-544D-B01B-917193A7D47D}" type="datetimeFigureOut">
               <a:rPr lang="en-US" smtClean="0"/>
-              <a:t>20-Feb-15</a:t>
+              <a:t>20/02/15</a:t>
             </a:fld>
             <a:endParaRPr lang="en-US"/>
           </a:p>
@@ -1764,7 +1764,7 @@
           <a:p>
             <a:fld id="{B8C18FDB-1496-544D-B01B-917193A7D47D}" type="datetimeFigureOut">
               <a:rPr lang="en-US" smtClean="0"/>
-              <a:t>20-Feb-15</a:t>
+              <a:t>20/02/15</a:t>
             </a:fld>
             <a:endParaRPr lang="en-US"/>
           </a:p>
@@ -1882,7 +1882,7 @@
           <a:p>
             <a:fld id="{B8C18FDB-1496-544D-B01B-917193A7D47D}" type="datetimeFigureOut">
               <a:rPr lang="en-US" smtClean="0"/>
-              <a:t>20-Feb-15</a:t>
+              <a:t>20/02/15</a:t>
             </a:fld>
             <a:endParaRPr lang="en-US"/>
           </a:p>
@@ -1977,7 +1977,7 @@
           <a:p>
             <a:fld id="{B8C18FDB-1496-544D-B01B-917193A7D47D}" type="datetimeFigureOut">
               <a:rPr lang="en-US" smtClean="0"/>
-              <a:t>20-Feb-15</a:t>
+              <a:t>20/02/15</a:t>
             </a:fld>
             <a:endParaRPr lang="en-US"/>
           </a:p>
@@ -2254,7 +2254,7 @@
           <a:p>
             <a:fld id="{B8C18FDB-1496-544D-B01B-917193A7D47D}" type="datetimeFigureOut">
               <a:rPr lang="en-US" smtClean="0"/>
-              <a:t>20-Feb-15</a:t>
+              <a:t>20/02/15</a:t>
             </a:fld>
             <a:endParaRPr lang="en-US"/>
           </a:p>
@@ -2507,7 +2507,7 @@
           <a:p>
             <a:fld id="{B8C18FDB-1496-544D-B01B-917193A7D47D}" type="datetimeFigureOut">
               <a:rPr lang="en-US" smtClean="0"/>
-              <a:t>20-Feb-15</a:t>
+              <a:t>20/02/15</a:t>
             </a:fld>
             <a:endParaRPr lang="en-US"/>
           </a:p>
@@ -2720,7 +2720,7 @@
           <a:p>
             <a:fld id="{B8C18FDB-1496-544D-B01B-917193A7D47D}" type="datetimeFigureOut">
               <a:rPr lang="en-US" smtClean="0"/>
-              <a:t>20-Feb-15</a:t>
+              <a:t>20/02/15</a:t>
             </a:fld>
             <a:endParaRPr lang="en-US"/>
           </a:p>
@@ -3460,7 +3460,7 @@
         </p:nvSpPr>
         <p:spPr>
           <a:xfrm>
-            <a:off x="8316416" y="5491150"/>
+            <a:off x="8316416" y="5262550"/>
             <a:ext cx="2138288" cy="914400"/>
           </a:xfrm>
           <a:prstGeom prst="roundRect">
@@ -3499,7 +3499,7 @@
                   </a:schemeClr>
                 </a:solidFill>
               </a:rPr>
-              <a:t>Also use</a:t>
+              <a:t>Set</a:t>
             </a:r>
             <a:endParaRPr lang="en-US" dirty="0" smtClean="0">
               <a:solidFill>
@@ -7678,9 +7678,9 @@
           <p:nvPr/>
         </p:nvCxnSpPr>
         <p:spPr>
-          <a:xfrm>
-            <a:off x="7504077" y="5724509"/>
-            <a:ext cx="812339" cy="223841"/>
+          <a:xfrm flipV="1">
+            <a:off x="7504077" y="5719750"/>
+            <a:ext cx="812339" cy="4759"/>
           </a:xfrm>
           <a:prstGeom prst="bentConnector3">
             <a:avLst/>
@@ -7715,13 +7715,16 @@
         </p:nvCxnSpPr>
         <p:spPr>
           <a:xfrm rot="5400000">
-            <a:off x="7506433" y="4974011"/>
-            <a:ext cx="447589" cy="3310667"/>
+            <a:off x="7392133" y="4859711"/>
+            <a:ext cx="676189" cy="3310667"/>
           </a:xfrm>
           <a:prstGeom prst="bentConnector3">
-            <a:avLst/>
+            <a:avLst>
+              <a:gd name="adj1" fmla="val 65025"/>
+            </a:avLst>
           </a:prstGeom>
           <a:ln>
+            <a:prstDash val="sysDash"/>
             <a:tailEnd type="arrow"/>
           </a:ln>
         </p:spPr>
@@ -7829,11 +7832,7 @@
             <a:pPr algn="ctr"/>
             <a:r>
               <a:rPr lang="en-US" dirty="0" smtClean="0"/>
-              <a:t>Are they </a:t>
-            </a:r>
-            <a:r>
-              <a:rPr lang="en-US" dirty="0" smtClean="0"/>
-              <a:t>time series for non-hydrostatic mode?</a:t>
+              <a:t>Are they time series for non-hydrostatic mode?</a:t>
             </a:r>
             <a:endParaRPr lang="en-US" dirty="0"/>
           </a:p>
